--- a/lecture_notes/lecture1/lecture1.pptx
+++ b/lecture_notes/lecture1/lecture1.pptx
@@ -128,7 +128,7 @@
 <file path=ppt/revisionInfo.xml><?xml version="1.0" encoding="utf-8"?>
 <p1510:revInfo xmlns:a="http://schemas.openxmlformats.org/drawingml/2006/main" xmlns:r="http://schemas.openxmlformats.org/officeDocument/2006/relationships" xmlns:p1510="http://schemas.microsoft.com/office/powerpoint/2015/10/main">
   <p1510:revLst>
-    <p1510:client id="{3A83232C-C1EB-4990-8FFD-222AEA5F0282}" v="109" dt="2024-05-17T23:53:10.292"/>
+    <p1510:client id="{7ED78856-5D54-4ECF-9F79-E13E342DBF2D}" v="10" dt="2024-06-08T18:00:38.120"/>
   </p1510:revLst>
 </p1510:revInfo>
 </file>
@@ -193,6 +193,45 @@
           <pc:docMk/>
           <pc:sldMk cId="4109251352" sldId="272"/>
         </pc:sldMkLst>
+      </pc:sldChg>
+    </pc:docChg>
+  </pc:docChgLst>
+  <pc:docChgLst>
+    <pc:chgData name="Toby Donaldson" userId="2e6e5431-bb17-4c41-9985-d39c50d83c73" providerId="ADAL" clId="{7ED78856-5D54-4ECF-9F79-E13E342DBF2D}"/>
+    <pc:docChg chg="custSel modSld">
+      <pc:chgData name="Toby Donaldson" userId="2e6e5431-bb17-4c41-9985-d39c50d83c73" providerId="ADAL" clId="{7ED78856-5D54-4ECF-9F79-E13E342DBF2D}" dt="2024-06-08T18:00:38.120" v="10" actId="20577"/>
+      <pc:docMkLst>
+        <pc:docMk/>
+      </pc:docMkLst>
+      <pc:sldChg chg="delSp mod delAnim">
+        <pc:chgData name="Toby Donaldson" userId="2e6e5431-bb17-4c41-9985-d39c50d83c73" providerId="ADAL" clId="{7ED78856-5D54-4ECF-9F79-E13E342DBF2D}" dt="2024-06-08T18:00:13.955" v="0" actId="21"/>
+        <pc:sldMkLst>
+          <pc:docMk/>
+          <pc:sldMk cId="2420652743" sldId="257"/>
+        </pc:sldMkLst>
+        <pc:spChg chg="del">
+          <ac:chgData name="Toby Donaldson" userId="2e6e5431-bb17-4c41-9985-d39c50d83c73" providerId="ADAL" clId="{7ED78856-5D54-4ECF-9F79-E13E342DBF2D}" dt="2024-06-08T18:00:13.955" v="0" actId="21"/>
+          <ac:spMkLst>
+            <pc:docMk/>
+            <pc:sldMk cId="2420652743" sldId="257"/>
+            <ac:spMk id="2" creationId="{391EC820-B4FB-45CA-9686-E46FAD3415AF}"/>
+          </ac:spMkLst>
+        </pc:spChg>
+      </pc:sldChg>
+      <pc:sldChg chg="modSp">
+        <pc:chgData name="Toby Donaldson" userId="2e6e5431-bb17-4c41-9985-d39c50d83c73" providerId="ADAL" clId="{7ED78856-5D54-4ECF-9F79-E13E342DBF2D}" dt="2024-06-08T18:00:38.120" v="10" actId="20577"/>
+        <pc:sldMkLst>
+          <pc:docMk/>
+          <pc:sldMk cId="3691972647" sldId="266"/>
+        </pc:sldMkLst>
+        <pc:spChg chg="mod">
+          <ac:chgData name="Toby Donaldson" userId="2e6e5431-bb17-4c41-9985-d39c50d83c73" providerId="ADAL" clId="{7ED78856-5D54-4ECF-9F79-E13E342DBF2D}" dt="2024-06-08T18:00:38.120" v="10" actId="20577"/>
+          <ac:spMkLst>
+            <pc:docMk/>
+            <pc:sldMk cId="3691972647" sldId="266"/>
+            <ac:spMk id="3" creationId="{8A0A9384-F965-0AE8-7664-14EAF74DF525}"/>
+          </ac:spMkLst>
+        </pc:spChg>
       </pc:sldChg>
     </pc:docChg>
   </pc:docChgLst>
@@ -1657,7 +1696,7 @@
           <a:p>
             <a:fld id="{A0E10153-954E-4A8F-A722-5AC9ABA3901A}" type="datetimeFigureOut">
               <a:rPr lang="en-AU" smtClean="0"/>
-              <a:t>17/05/2024</a:t>
+              <a:t>8/06/2024</a:t>
             </a:fld>
             <a:endParaRPr lang="en-AU"/>
           </a:p>
@@ -3130,7 +3169,7 @@
           <a:p>
             <a:fld id="{2F88D517-DBB2-4332-945E-AD3C5BA5B888}" type="datetime1">
               <a:rPr lang="en-AU" smtClean="0"/>
-              <a:t>17/05/2024</a:t>
+              <a:t>8/06/2024</a:t>
             </a:fld>
             <a:endParaRPr lang="en-AU"/>
           </a:p>
@@ -3334,7 +3373,7 @@
           <a:p>
             <a:fld id="{0D8803F8-7D40-45E7-BA2A-220D92D7CE1A}" type="datetime1">
               <a:rPr lang="en-AU" smtClean="0"/>
-              <a:t>17/05/2024</a:t>
+              <a:t>8/06/2024</a:t>
             </a:fld>
             <a:endParaRPr lang="en-AU"/>
           </a:p>
@@ -3548,7 +3587,7 @@
           <a:p>
             <a:fld id="{116CBFC2-4AFE-4460-A0F3-12919975E3A5}" type="datetime1">
               <a:rPr lang="en-AU" smtClean="0"/>
-              <a:t>17/05/2024</a:t>
+              <a:t>8/06/2024</a:t>
             </a:fld>
             <a:endParaRPr lang="en-AU"/>
           </a:p>
@@ -3752,7 +3791,7 @@
           <a:p>
             <a:fld id="{6CA6E76A-F54E-4C13-B66A-BE7727C8D4EA}" type="datetime1">
               <a:rPr lang="en-AU" smtClean="0"/>
-              <a:t>17/05/2024</a:t>
+              <a:t>8/06/2024</a:t>
             </a:fld>
             <a:endParaRPr lang="en-AU"/>
           </a:p>
@@ -4032,7 +4071,7 @@
           <a:p>
             <a:fld id="{D5B27081-49D7-46AA-8800-66D1AE9542B1}" type="datetime1">
               <a:rPr lang="en-AU" smtClean="0"/>
-              <a:t>17/05/2024</a:t>
+              <a:t>8/06/2024</a:t>
             </a:fld>
             <a:endParaRPr lang="en-AU"/>
           </a:p>
@@ -4304,7 +4343,7 @@
           <a:p>
             <a:fld id="{FF41084E-2C29-4B82-BFED-E0DC1103E2F9}" type="datetime1">
               <a:rPr lang="en-AU" smtClean="0"/>
-              <a:t>17/05/2024</a:t>
+              <a:t>8/06/2024</a:t>
             </a:fld>
             <a:endParaRPr lang="en-AU"/>
           </a:p>
@@ -4723,7 +4762,7 @@
           <a:p>
             <a:fld id="{B5945278-0D79-408C-ABD2-8FC7FF99DDDA}" type="datetime1">
               <a:rPr lang="en-AU" smtClean="0"/>
-              <a:t>17/05/2024</a:t>
+              <a:t>8/06/2024</a:t>
             </a:fld>
             <a:endParaRPr lang="en-AU"/>
           </a:p>
@@ -4869,7 +4908,7 @@
           <a:p>
             <a:fld id="{B25F4824-001C-4BA8-80F6-D9AB060E0D56}" type="datetime1">
               <a:rPr lang="en-AU" smtClean="0"/>
-              <a:t>17/05/2024</a:t>
+              <a:t>8/06/2024</a:t>
             </a:fld>
             <a:endParaRPr lang="en-AU"/>
           </a:p>
@@ -4986,7 +5025,7 @@
           <a:p>
             <a:fld id="{F154276F-9E52-4A18-8F2D-F5D79C5C39B8}" type="datetime1">
               <a:rPr lang="en-AU" smtClean="0"/>
-              <a:t>17/05/2024</a:t>
+              <a:t>8/06/2024</a:t>
             </a:fld>
             <a:endParaRPr lang="en-AU"/>
           </a:p>
@@ -5303,7 +5342,7 @@
           <a:p>
             <a:fld id="{7F4F97A6-D494-4F95-AEAE-6EE051B57900}" type="datetime1">
               <a:rPr lang="en-AU" smtClean="0"/>
-              <a:t>17/05/2024</a:t>
+              <a:t>8/06/2024</a:t>
             </a:fld>
             <a:endParaRPr lang="en-AU"/>
           </a:p>
@@ -5596,7 +5635,7 @@
           <a:p>
             <a:fld id="{F094FBA1-2132-4E79-84C3-971417F7A4B3}" type="datetime1">
               <a:rPr lang="en-AU" smtClean="0"/>
-              <a:t>17/05/2024</a:t>
+              <a:t>8/06/2024</a:t>
             </a:fld>
             <a:endParaRPr lang="en-AU"/>
           </a:p>
@@ -5843,7 +5882,7 @@
           <a:p>
             <a:fld id="{2177AB6B-F43A-48BB-A6DE-16D3836505C7}" type="datetime1">
               <a:rPr lang="en-AU" smtClean="0"/>
-              <a:t>17/05/2024</a:t>
+              <a:t>8/06/2024</a:t>
             </a:fld>
             <a:endParaRPr lang="en-AU"/>
           </a:p>
@@ -8809,52 +8848,6 @@
               <a:t>CMPT 120, SFU Burnaby, Fall 2024, Instructor: T. Donaldson</a:t>
             </a:r>
             <a:endParaRPr lang="en-AU"/>
-          </a:p>
-        </p:txBody>
-      </p:sp>
-      <p:sp>
-        <p:nvSpPr>
-          <p:cNvPr id="2" name="Arrow: Down 1">
-            <a:extLst>
-              <a:ext uri="{FF2B5EF4-FFF2-40B4-BE49-F238E27FC236}">
-                <a16:creationId xmlns:a16="http://schemas.microsoft.com/office/drawing/2014/main" id="{391EC820-B4FB-45CA-9686-E46FAD3415AF}"/>
-              </a:ext>
-            </a:extLst>
-          </p:cNvPr>
-          <p:cNvSpPr/>
-          <p:nvPr/>
-        </p:nvSpPr>
-        <p:spPr>
-          <a:xfrm>
-            <a:off x="2286000" y="5216482"/>
-            <a:ext cx="789140" cy="1095418"/>
-          </a:xfrm>
-          <a:prstGeom prst="downArrow">
-            <a:avLst/>
-          </a:prstGeom>
-        </p:spPr>
-        <p:style>
-          <a:lnRef idx="2">
-            <a:schemeClr val="accent1">
-              <a:shade val="50000"/>
-            </a:schemeClr>
-          </a:lnRef>
-          <a:fillRef idx="1">
-            <a:schemeClr val="accent1"/>
-          </a:fillRef>
-          <a:effectRef idx="0">
-            <a:schemeClr val="accent1"/>
-          </a:effectRef>
-          <a:fontRef idx="minor">
-            <a:schemeClr val="lt1"/>
-          </a:fontRef>
-        </p:style>
-        <p:txBody>
-          <a:bodyPr rtlCol="0" anchor="ctr"/>
-          <a:lstStyle/>
-          <a:p>
-            <a:pPr algn="ctr"/>
-            <a:endParaRPr lang="en-CA"/>
           </a:p>
         </p:txBody>
       </p:sp>
@@ -9378,293 +9371,6 @@
                             </p:childTnLst>
                           </p:cTn>
                         </p:par>
-                        <p:par>
-                          <p:cTn id="31" fill="hold">
-                            <p:stCondLst>
-                              <p:cond delay="500"/>
-                            </p:stCondLst>
-                            <p:childTnLst>
-                              <p:par>
-                                <p:cTn id="32" presetID="26" presetClass="entr" presetSubtype="0" fill="hold" grpId="0" nodeType="afterEffect">
-                                  <p:stCondLst>
-                                    <p:cond delay="0"/>
-                                  </p:stCondLst>
-                                  <p:childTnLst>
-                                    <p:set>
-                                      <p:cBhvr>
-                                        <p:cTn id="33" dur="1" fill="hold">
-                                          <p:stCondLst>
-                                            <p:cond delay="0"/>
-                                          </p:stCondLst>
-                                        </p:cTn>
-                                        <p:tgtEl>
-                                          <p:spTgt spid="2"/>
-                                        </p:tgtEl>
-                                        <p:attrNameLst>
-                                          <p:attrName>style.visibility</p:attrName>
-                                        </p:attrNameLst>
-                                      </p:cBhvr>
-                                      <p:to>
-                                        <p:strVal val="visible"/>
-                                      </p:to>
-                                    </p:set>
-                                    <p:animEffect transition="in" filter="wipe(down)">
-                                      <p:cBhvr>
-                                        <p:cTn id="34" dur="580">
-                                          <p:stCondLst>
-                                            <p:cond delay="0"/>
-                                          </p:stCondLst>
-                                        </p:cTn>
-                                        <p:tgtEl>
-                                          <p:spTgt spid="2"/>
-                                        </p:tgtEl>
-                                      </p:cBhvr>
-                                    </p:animEffect>
-                                    <p:anim calcmode="lin" valueType="num">
-                                      <p:cBhvr>
-                                        <p:cTn id="35" dur="1822" tmFilter="0,0; 0.14,0.36; 0.43,0.73; 0.71,0.91; 1.0,1.0">
-                                          <p:stCondLst>
-                                            <p:cond delay="0"/>
-                                          </p:stCondLst>
-                                        </p:cTn>
-                                        <p:tgtEl>
-                                          <p:spTgt spid="2"/>
-                                        </p:tgtEl>
-                                        <p:attrNameLst>
-                                          <p:attrName>ppt_x</p:attrName>
-                                        </p:attrNameLst>
-                                      </p:cBhvr>
-                                      <p:tavLst>
-                                        <p:tav tm="0">
-                                          <p:val>
-                                            <p:strVal val="#ppt_x-0.25"/>
-                                          </p:val>
-                                        </p:tav>
-                                        <p:tav tm="100000">
-                                          <p:val>
-                                            <p:strVal val="#ppt_x"/>
-                                          </p:val>
-                                        </p:tav>
-                                      </p:tavLst>
-                                    </p:anim>
-                                    <p:anim calcmode="lin" valueType="num">
-                                      <p:cBhvr>
-                                        <p:cTn id="36" dur="664" tmFilter="0.0,0.0; 0.25,0.07; 0.50,0.2; 0.75,0.467; 1.0,1.0">
-                                          <p:stCondLst>
-                                            <p:cond delay="0"/>
-                                          </p:stCondLst>
-                                        </p:cTn>
-                                        <p:tgtEl>
-                                          <p:spTgt spid="2"/>
-                                        </p:tgtEl>
-                                        <p:attrNameLst>
-                                          <p:attrName>ppt_y</p:attrName>
-                                        </p:attrNameLst>
-                                      </p:cBhvr>
-                                      <p:tavLst>
-                                        <p:tav tm="0" fmla="#ppt_y-sin(pi*$)/3">
-                                          <p:val>
-                                            <p:fltVal val="0.5"/>
-                                          </p:val>
-                                        </p:tav>
-                                        <p:tav tm="100000">
-                                          <p:val>
-                                            <p:fltVal val="1"/>
-                                          </p:val>
-                                        </p:tav>
-                                      </p:tavLst>
-                                    </p:anim>
-                                    <p:anim calcmode="lin" valueType="num">
-                                      <p:cBhvr>
-                                        <p:cTn id="37" dur="664" tmFilter="0, 0; 0.125,0.2665; 0.25,0.4; 0.375,0.465; 0.5,0.5;  0.625,0.535; 0.75,0.6; 0.875,0.7335; 1,1">
-                                          <p:stCondLst>
-                                            <p:cond delay="664"/>
-                                          </p:stCondLst>
-                                        </p:cTn>
-                                        <p:tgtEl>
-                                          <p:spTgt spid="2"/>
-                                        </p:tgtEl>
-                                        <p:attrNameLst>
-                                          <p:attrName>ppt_y</p:attrName>
-                                        </p:attrNameLst>
-                                      </p:cBhvr>
-                                      <p:tavLst>
-                                        <p:tav tm="0" fmla="#ppt_y-sin(pi*$)/9">
-                                          <p:val>
-                                            <p:fltVal val="0"/>
-                                          </p:val>
-                                        </p:tav>
-                                        <p:tav tm="100000">
-                                          <p:val>
-                                            <p:fltVal val="1"/>
-                                          </p:val>
-                                        </p:tav>
-                                      </p:tavLst>
-                                    </p:anim>
-                                    <p:anim calcmode="lin" valueType="num">
-                                      <p:cBhvr>
-                                        <p:cTn id="38" dur="332" tmFilter="0, 0; 0.125,0.2665; 0.25,0.4; 0.375,0.465; 0.5,0.5;  0.625,0.535; 0.75,0.6; 0.875,0.7335; 1,1">
-                                          <p:stCondLst>
-                                            <p:cond delay="1324"/>
-                                          </p:stCondLst>
-                                        </p:cTn>
-                                        <p:tgtEl>
-                                          <p:spTgt spid="2"/>
-                                        </p:tgtEl>
-                                        <p:attrNameLst>
-                                          <p:attrName>ppt_y</p:attrName>
-                                        </p:attrNameLst>
-                                      </p:cBhvr>
-                                      <p:tavLst>
-                                        <p:tav tm="0" fmla="#ppt_y-sin(pi*$)/27">
-                                          <p:val>
-                                            <p:fltVal val="0"/>
-                                          </p:val>
-                                        </p:tav>
-                                        <p:tav tm="100000">
-                                          <p:val>
-                                            <p:fltVal val="1"/>
-                                          </p:val>
-                                        </p:tav>
-                                      </p:tavLst>
-                                    </p:anim>
-                                    <p:anim calcmode="lin" valueType="num">
-                                      <p:cBhvr>
-                                        <p:cTn id="39" dur="164" tmFilter="0, 0; 0.125,0.2665; 0.25,0.4; 0.375,0.465; 0.5,0.5;  0.625,0.535; 0.75,0.6; 0.875,0.7335; 1,1">
-                                          <p:stCondLst>
-                                            <p:cond delay="1656"/>
-                                          </p:stCondLst>
-                                        </p:cTn>
-                                        <p:tgtEl>
-                                          <p:spTgt spid="2"/>
-                                        </p:tgtEl>
-                                        <p:attrNameLst>
-                                          <p:attrName>ppt_y</p:attrName>
-                                        </p:attrNameLst>
-                                      </p:cBhvr>
-                                      <p:tavLst>
-                                        <p:tav tm="0" fmla="#ppt_y-sin(pi*$)/81">
-                                          <p:val>
-                                            <p:fltVal val="0"/>
-                                          </p:val>
-                                        </p:tav>
-                                        <p:tav tm="100000">
-                                          <p:val>
-                                            <p:fltVal val="1"/>
-                                          </p:val>
-                                        </p:tav>
-                                      </p:tavLst>
-                                    </p:anim>
-                                    <p:animScale>
-                                      <p:cBhvr>
-                                        <p:cTn id="40" dur="26">
-                                          <p:stCondLst>
-                                            <p:cond delay="650"/>
-                                          </p:stCondLst>
-                                        </p:cTn>
-                                        <p:tgtEl>
-                                          <p:spTgt spid="2"/>
-                                        </p:tgtEl>
-                                      </p:cBhvr>
-                                      <p:to x="100000" y="60000"/>
-                                    </p:animScale>
-                                    <p:animScale>
-                                      <p:cBhvr>
-                                        <p:cTn id="41" dur="166" decel="50000">
-                                          <p:stCondLst>
-                                            <p:cond delay="676"/>
-                                          </p:stCondLst>
-                                        </p:cTn>
-                                        <p:tgtEl>
-                                          <p:spTgt spid="2"/>
-                                        </p:tgtEl>
-                                      </p:cBhvr>
-                                      <p:to x="100000" y="100000"/>
-                                    </p:animScale>
-                                    <p:animScale>
-                                      <p:cBhvr>
-                                        <p:cTn id="42" dur="26">
-                                          <p:stCondLst>
-                                            <p:cond delay="1312"/>
-                                          </p:stCondLst>
-                                        </p:cTn>
-                                        <p:tgtEl>
-                                          <p:spTgt spid="2"/>
-                                        </p:tgtEl>
-                                      </p:cBhvr>
-                                      <p:to x="100000" y="80000"/>
-                                    </p:animScale>
-                                    <p:animScale>
-                                      <p:cBhvr>
-                                        <p:cTn id="43" dur="166" decel="50000">
-                                          <p:stCondLst>
-                                            <p:cond delay="1338"/>
-                                          </p:stCondLst>
-                                        </p:cTn>
-                                        <p:tgtEl>
-                                          <p:spTgt spid="2"/>
-                                        </p:tgtEl>
-                                      </p:cBhvr>
-                                      <p:to x="100000" y="100000"/>
-                                    </p:animScale>
-                                    <p:animScale>
-                                      <p:cBhvr>
-                                        <p:cTn id="44" dur="26">
-                                          <p:stCondLst>
-                                            <p:cond delay="1642"/>
-                                          </p:stCondLst>
-                                        </p:cTn>
-                                        <p:tgtEl>
-                                          <p:spTgt spid="2"/>
-                                        </p:tgtEl>
-                                      </p:cBhvr>
-                                      <p:to x="100000" y="90000"/>
-                                    </p:animScale>
-                                    <p:animScale>
-                                      <p:cBhvr>
-                                        <p:cTn id="45" dur="166" decel="50000">
-                                          <p:stCondLst>
-                                            <p:cond delay="1668"/>
-                                          </p:stCondLst>
-                                        </p:cTn>
-                                        <p:tgtEl>
-                                          <p:spTgt spid="2"/>
-                                        </p:tgtEl>
-                                      </p:cBhvr>
-                                      <p:to x="100000" y="100000"/>
-                                    </p:animScale>
-                                    <p:animScale>
-                                      <p:cBhvr>
-                                        <p:cTn id="46" dur="26">
-                                          <p:stCondLst>
-                                            <p:cond delay="1808"/>
-                                          </p:stCondLst>
-                                        </p:cTn>
-                                        <p:tgtEl>
-                                          <p:spTgt spid="2"/>
-                                        </p:tgtEl>
-                                      </p:cBhvr>
-                                      <p:to x="100000" y="95000"/>
-                                    </p:animScale>
-                                    <p:animScale>
-                                      <p:cBhvr>
-                                        <p:cTn id="47" dur="166" decel="50000">
-                                          <p:stCondLst>
-                                            <p:cond delay="1834"/>
-                                          </p:stCondLst>
-                                        </p:cTn>
-                                        <p:tgtEl>
-                                          <p:spTgt spid="2"/>
-                                        </p:tgtEl>
-                                      </p:cBhvr>
-                                      <p:to x="100000" y="100000"/>
-                                    </p:animScale>
-                                  </p:childTnLst>
-                                </p:cTn>
-                              </p:par>
-                            </p:childTnLst>
-                          </p:cTn>
-                        </p:par>
                       </p:childTnLst>
                     </p:cTn>
                   </p:par>
@@ -9692,7 +9398,6 @@
     <p:bldLst>
       <p:bldP spid="6" grpId="0" uiExpand="1" build="p"/>
       <p:bldP spid="7" grpId="0" animBg="1"/>
-      <p:bldP spid="2" grpId="0" animBg="1"/>
     </p:bldLst>
   </p:timing>
 </p:sld>
@@ -9802,7 +9507,7 @@
             </a:r>
             <a:r>
               <a:rPr lang="en-CA" dirty="0"/>
-              <a:t>topics, like algorithms and data processing</a:t>
+              <a:t>topics</a:t>
             </a:r>
           </a:p>
           <a:p>
